--- a/images/portfolio_logo.pptx
+++ b/images/portfolio_logo.pptx
@@ -104,6 +104,11 @@
       </a:defRPr>
     </a:lvl9pPr>
   </p:defaultTextStyle>
+  <p:extLst>
+    <p:ext uri="{EFAFB233-063F-42B5-8137-9DF3F51BA10A}">
+      <p15:sldGuideLst xmlns:p15="http://schemas.microsoft.com/office/powerpoint/2012/main"/>
+    </p:ext>
+  </p:extLst>
 </p:presentation>
 </file>
 
@@ -254,7 +259,7 @@
           <a:p>
             <a:fld id="{87D931A0-E0B4-1E4A-B9A3-56B8CEBC7C23}" type="datetimeFigureOut">
               <a:rPr lang="en-US" smtClean="0"/>
-              <a:t>1/22/20</a:t>
+              <a:t>1/23/20</a:t>
             </a:fld>
             <a:endParaRPr lang="en-US"/>
           </a:p>
@@ -452,7 +457,7 @@
           <a:p>
             <a:fld id="{87D931A0-E0B4-1E4A-B9A3-56B8CEBC7C23}" type="datetimeFigureOut">
               <a:rPr lang="en-US" smtClean="0"/>
-              <a:t>1/22/20</a:t>
+              <a:t>1/23/20</a:t>
             </a:fld>
             <a:endParaRPr lang="en-US"/>
           </a:p>
@@ -660,7 +665,7 @@
           <a:p>
             <a:fld id="{87D931A0-E0B4-1E4A-B9A3-56B8CEBC7C23}" type="datetimeFigureOut">
               <a:rPr lang="en-US" smtClean="0"/>
-              <a:t>1/22/20</a:t>
+              <a:t>1/23/20</a:t>
             </a:fld>
             <a:endParaRPr lang="en-US"/>
           </a:p>
@@ -858,7 +863,7 @@
           <a:p>
             <a:fld id="{87D931A0-E0B4-1E4A-B9A3-56B8CEBC7C23}" type="datetimeFigureOut">
               <a:rPr lang="en-US" smtClean="0"/>
-              <a:t>1/22/20</a:t>
+              <a:t>1/23/20</a:t>
             </a:fld>
             <a:endParaRPr lang="en-US"/>
           </a:p>
@@ -1133,7 +1138,7 @@
           <a:p>
             <a:fld id="{87D931A0-E0B4-1E4A-B9A3-56B8CEBC7C23}" type="datetimeFigureOut">
               <a:rPr lang="en-US" smtClean="0"/>
-              <a:t>1/22/20</a:t>
+              <a:t>1/23/20</a:t>
             </a:fld>
             <a:endParaRPr lang="en-US"/>
           </a:p>
@@ -1398,7 +1403,7 @@
           <a:p>
             <a:fld id="{87D931A0-E0B4-1E4A-B9A3-56B8CEBC7C23}" type="datetimeFigureOut">
               <a:rPr lang="en-US" smtClean="0"/>
-              <a:t>1/22/20</a:t>
+              <a:t>1/23/20</a:t>
             </a:fld>
             <a:endParaRPr lang="en-US"/>
           </a:p>
@@ -1810,7 +1815,7 @@
           <a:p>
             <a:fld id="{87D931A0-E0B4-1E4A-B9A3-56B8CEBC7C23}" type="datetimeFigureOut">
               <a:rPr lang="en-US" smtClean="0"/>
-              <a:t>1/22/20</a:t>
+              <a:t>1/23/20</a:t>
             </a:fld>
             <a:endParaRPr lang="en-US"/>
           </a:p>
@@ -1951,7 +1956,7 @@
           <a:p>
             <a:fld id="{87D931A0-E0B4-1E4A-B9A3-56B8CEBC7C23}" type="datetimeFigureOut">
               <a:rPr lang="en-US" smtClean="0"/>
-              <a:t>1/22/20</a:t>
+              <a:t>1/23/20</a:t>
             </a:fld>
             <a:endParaRPr lang="en-US"/>
           </a:p>
@@ -2064,7 +2069,7 @@
           <a:p>
             <a:fld id="{87D931A0-E0B4-1E4A-B9A3-56B8CEBC7C23}" type="datetimeFigureOut">
               <a:rPr lang="en-US" smtClean="0"/>
-              <a:t>1/22/20</a:t>
+              <a:t>1/23/20</a:t>
             </a:fld>
             <a:endParaRPr lang="en-US"/>
           </a:p>
@@ -2375,7 +2380,7 @@
           <a:p>
             <a:fld id="{87D931A0-E0B4-1E4A-B9A3-56B8CEBC7C23}" type="datetimeFigureOut">
               <a:rPr lang="en-US" smtClean="0"/>
-              <a:t>1/22/20</a:t>
+              <a:t>1/23/20</a:t>
             </a:fld>
             <a:endParaRPr lang="en-US"/>
           </a:p>
@@ -2663,7 +2668,7 @@
           <a:p>
             <a:fld id="{87D931A0-E0B4-1E4A-B9A3-56B8CEBC7C23}" type="datetimeFigureOut">
               <a:rPr lang="en-US" smtClean="0"/>
-              <a:t>1/22/20</a:t>
+              <a:t>1/23/20</a:t>
             </a:fld>
             <a:endParaRPr lang="en-US"/>
           </a:p>
@@ -2904,7 +2909,7 @@
           <a:p>
             <a:fld id="{87D931A0-E0B4-1E4A-B9A3-56B8CEBC7C23}" type="datetimeFigureOut">
               <a:rPr lang="en-US" smtClean="0"/>
-              <a:t>1/22/20</a:t>
+              <a:t>1/23/20</a:t>
             </a:fld>
             <a:endParaRPr lang="en-US"/>
           </a:p>
@@ -3548,10 +3553,10 @@
       </p:pic>
       <p:pic>
         <p:nvPicPr>
-          <p:cNvPr id="1030" name="Picture 6" descr="Auris">
-            <a:extLst>
-              <a:ext uri="{FF2B5EF4-FFF2-40B4-BE49-F238E27FC236}">
-                <a16:creationId xmlns:a16="http://schemas.microsoft.com/office/drawing/2014/main" id="{4F94DF68-AFFE-B94D-9E11-5F8AF232CBDC}"/>
+          <p:cNvPr id="1031" name="Picture 7" descr="Tangent">
+            <a:extLst>
+              <a:ext uri="{FF2B5EF4-FFF2-40B4-BE49-F238E27FC236}">
+                <a16:creationId xmlns:a16="http://schemas.microsoft.com/office/drawing/2014/main" id="{B534A317-D055-6F4F-B636-D63FEBB84D0A}"/>
               </a:ext>
             </a:extLst>
           </p:cNvPr>
@@ -3562,69 +3567,6 @@
         </p:nvPicPr>
         <p:blipFill>
           <a:blip r:embed="rId7">
-            <a:duotone>
-              <a:schemeClr val="accent1">
-                <a:shade val="45000"/>
-                <a:satMod val="135000"/>
-              </a:schemeClr>
-              <a:prstClr val="white"/>
-            </a:duotone>
-            <a:extLst>
-              <a:ext uri="{BEBA8EAE-BF5A-486C-A8C5-ECC9F3942E4B}">
-                <a14:imgProps xmlns:a14="http://schemas.microsoft.com/office/drawing/2010/main">
-                  <a14:imgLayer r:embed="rId8">
-                    <a14:imgEffect>
-                      <a14:artisticPhotocopy/>
-                    </a14:imgEffect>
-                  </a14:imgLayer>
-                </a14:imgProps>
-              </a:ext>
-              <a:ext uri="{28A0092B-C50C-407E-A947-70E740481C1C}">
-                <a14:useLocalDpi xmlns:a14="http://schemas.microsoft.com/office/drawing/2010/main" val="0"/>
-              </a:ext>
-            </a:extLst>
-          </a:blip>
-          <a:srcRect/>
-          <a:stretch>
-            <a:fillRect/>
-          </a:stretch>
-        </p:blipFill>
-        <p:spPr bwMode="auto">
-          <a:xfrm>
-            <a:off x="4044284" y="3192119"/>
-            <a:ext cx="1828800" cy="1828800"/>
-          </a:xfrm>
-          <a:prstGeom prst="rect">
-            <a:avLst/>
-          </a:prstGeom>
-          <a:noFill/>
-          <a:extLst>
-            <a:ext uri="{909E8E84-426E-40DD-AFC4-6F175D3DCCD1}">
-              <a14:hiddenFill xmlns:a14="http://schemas.microsoft.com/office/drawing/2010/main">
-                <a:solidFill>
-                  <a:srgbClr val="FFFFFF"/>
-                </a:solidFill>
-              </a14:hiddenFill>
-            </a:ext>
-          </a:extLst>
-        </p:spPr>
-      </p:pic>
-      <p:pic>
-        <p:nvPicPr>
-          <p:cNvPr id="1031" name="Picture 7" descr="Tangent">
-            <a:extLst>
-              <a:ext uri="{FF2B5EF4-FFF2-40B4-BE49-F238E27FC236}">
-                <a16:creationId xmlns:a16="http://schemas.microsoft.com/office/drawing/2014/main" id="{B534A317-D055-6F4F-B636-D63FEBB84D0A}"/>
-              </a:ext>
-            </a:extLst>
-          </p:cNvPr>
-          <p:cNvPicPr>
-            <a:picLocks noChangeAspect="1" noChangeArrowheads="1"/>
-          </p:cNvPicPr>
-          <p:nvPr/>
-        </p:nvPicPr>
-        <p:blipFill>
-          <a:blip r:embed="rId9">
             <a:duotone>
               <a:schemeClr val="accent5">
                 <a:shade val="45000"/>
@@ -3661,6 +3603,44 @@
               </a14:hiddenFill>
             </a:ext>
           </a:extLst>
+        </p:spPr>
+      </p:pic>
+      <p:pic>
+        <p:nvPicPr>
+          <p:cNvPr id="2" name="Picture 1">
+            <a:extLst>
+              <a:ext uri="{FF2B5EF4-FFF2-40B4-BE49-F238E27FC236}">
+                <a16:creationId xmlns:a16="http://schemas.microsoft.com/office/drawing/2014/main" id="{B37D8078-B882-CE4A-8F5D-CCDD1474F373}"/>
+              </a:ext>
+            </a:extLst>
+          </p:cNvPr>
+          <p:cNvPicPr>
+            <a:picLocks noChangeAspect="1"/>
+          </p:cNvPicPr>
+          <p:nvPr/>
+        </p:nvPicPr>
+        <p:blipFill>
+          <a:blip r:embed="rId8">
+            <a:duotone>
+              <a:schemeClr val="accent5">
+                <a:shade val="45000"/>
+                <a:satMod val="135000"/>
+              </a:schemeClr>
+              <a:prstClr val="white"/>
+            </a:duotone>
+          </a:blip>
+          <a:stretch>
+            <a:fillRect/>
+          </a:stretch>
+        </p:blipFill>
+        <p:spPr>
+          <a:xfrm>
+            <a:off x="4034010" y="3266546"/>
+            <a:ext cx="1828800" cy="1679945"/>
+          </a:xfrm>
+          <a:prstGeom prst="rect">
+            <a:avLst/>
+          </a:prstGeom>
         </p:spPr>
       </p:pic>
     </p:spTree>
